--- a/datadictionary/datadictionary.pptx
+++ b/datadictionary/datadictionary.pptx
@@ -3002,7 +3002,6 @@
               <a:rPr lang="en-US" sz="1100" b="1" dirty="0" smtClean="0"/>
               <a:t>PEDIATRIC DEMO</a:t>
             </a:r>
-            <a:endParaRPr lang="en-US" sz="1100" b="1" dirty="0" smtClean="0"/>
           </a:p>
           <a:p>
             <a:r>
@@ -3043,11 +3042,7 @@
           <a:p>
             <a:r>
               <a:rPr lang="en-US" sz="1100" dirty="0" smtClean="0"/>
-              <a:t>-</a:t>
-            </a:r>
-            <a:r>
-              <a:rPr lang="en-US" sz="1100" dirty="0" smtClean="0"/>
-              <a:t>ZIP9</a:t>
+              <a:t>-ZIP9</a:t>
             </a:r>
           </a:p>
           <a:p>
@@ -3055,7 +3050,6 @@
               <a:rPr lang="en-US" sz="1100" dirty="0" smtClean="0"/>
               <a:t>-CONSENT2SHARE</a:t>
             </a:r>
-            <a:endParaRPr lang="en-US" sz="1100" dirty="0" smtClean="0"/>
           </a:p>
         </p:txBody>
       </p:sp>
@@ -3090,7 +3084,6 @@
               <a:rPr lang="en-US" sz="1100" b="1" dirty="0" smtClean="0"/>
               <a:t>MATERNAL DEMO</a:t>
             </a:r>
-            <a:endParaRPr lang="en-US" sz="1100" b="1" dirty="0" smtClean="0"/>
           </a:p>
           <a:p>
             <a:r>
@@ -3135,11 +3128,7 @@
           <a:p>
             <a:r>
               <a:rPr lang="en-US" sz="1100" dirty="0" smtClean="0"/>
-              <a:t>-</a:t>
-            </a:r>
-            <a:r>
-              <a:rPr lang="en-US" sz="1100" dirty="0" smtClean="0"/>
-              <a:t>ZIP9</a:t>
+              <a:t>-ZIP9</a:t>
             </a:r>
           </a:p>
           <a:p>
@@ -3147,7 +3136,6 @@
               <a:rPr lang="en-US" sz="1100" dirty="0" smtClean="0"/>
               <a:t>-CONSENT2SHARE*</a:t>
             </a:r>
-            <a:endParaRPr lang="en-US" sz="1100" dirty="0" smtClean="0"/>
           </a:p>
         </p:txBody>
       </p:sp>
@@ -3374,7 +3362,6 @@
               <a:rPr lang="en-US" sz="1100" b="1" dirty="0" smtClean="0"/>
               <a:t>WELLNESS (routine)</a:t>
             </a:r>
-            <a:endParaRPr lang="en-US" sz="1100" b="1" dirty="0" smtClean="0"/>
           </a:p>
           <a:p>
             <a:r>
@@ -3421,11 +3408,7 @@
           <a:p>
             <a:r>
               <a:rPr lang="en-US" sz="1100" dirty="0" smtClean="0"/>
-              <a:t>-</a:t>
-            </a:r>
-            <a:r>
-              <a:rPr lang="en-US" sz="1100" dirty="0" smtClean="0"/>
-              <a:t>ENCOUNTER</a:t>
+              <a:t>-ENCOUNTER</a:t>
             </a:r>
           </a:p>
           <a:p>
@@ -3439,7 +3422,6 @@
               <a:rPr lang="en-US" sz="1100" dirty="0" smtClean="0"/>
               <a:t>-GEST-AGE*</a:t>
             </a:r>
-            <a:endParaRPr lang="en-US" sz="1100" dirty="0" smtClean="0"/>
           </a:p>
         </p:txBody>
       </p:sp>
@@ -3474,7 +3456,6 @@
               <a:rPr lang="en-US" sz="1100" b="1" dirty="0" smtClean="0"/>
               <a:t>WELLNESS (baby)</a:t>
             </a:r>
-            <a:endParaRPr lang="en-US" sz="1100" b="1" dirty="0" smtClean="0"/>
           </a:p>
           <a:p>
             <a:r>
@@ -3503,11 +3484,7 @@
           <a:p>
             <a:r>
               <a:rPr lang="en-US" sz="1100" dirty="0" smtClean="0"/>
-              <a:t>-HEAD </a:t>
-            </a:r>
-            <a:r>
-              <a:rPr lang="en-US" sz="1100" dirty="0" smtClean="0"/>
-              <a:t>CIRCUMFERENCE</a:t>
+              <a:t>-HEAD CIRCUMFERENCE</a:t>
             </a:r>
           </a:p>
           <a:p>
@@ -3525,7 +3502,6 @@
               <a:rPr lang="en-US" sz="1100" dirty="0" smtClean="0"/>
               <a:t>*</a:t>
             </a:r>
-            <a:endParaRPr lang="en-US" sz="1100" dirty="0" smtClean="0"/>
           </a:p>
           <a:p>
             <a:r>
@@ -3945,16 +3921,11 @@
               <a:rPr lang="en-US" sz="1100" b="1" dirty="0" smtClean="0"/>
               <a:t>ABX-MEDICATION-IP</a:t>
             </a:r>
-            <a:endParaRPr lang="en-US" sz="1100" b="1" dirty="0" smtClean="0"/>
-          </a:p>
-          <a:p>
-            <a:r>
-              <a:rPr lang="en-US" sz="1100" dirty="0" smtClean="0"/>
-              <a:t>-</a:t>
-            </a:r>
-            <a:r>
-              <a:rPr lang="en-US" sz="1100" dirty="0" smtClean="0"/>
-              <a:t>ID</a:t>
+          </a:p>
+          <a:p>
+            <a:r>
+              <a:rPr lang="en-US" sz="1100" dirty="0" smtClean="0"/>
+              <a:t>-ID</a:t>
             </a:r>
           </a:p>
           <a:p>
@@ -3966,7 +3937,6 @@
               <a:rPr lang="en-US" sz="1100" dirty="0" smtClean="0"/>
               <a:t>TAKEN</a:t>
             </a:r>
-            <a:endParaRPr lang="en-US" sz="1100" dirty="0" smtClean="0"/>
           </a:p>
           <a:p>
             <a:r>
@@ -3983,7 +3953,6 @@
               <a:rPr lang="en-US" sz="1100" dirty="0" smtClean="0"/>
               <a:t>ACTION</a:t>
             </a:r>
-            <a:endParaRPr lang="en-US" sz="1100" dirty="0" smtClean="0"/>
           </a:p>
           <a:p>
             <a:r>
@@ -4014,7 +3983,6 @@
               <a:rPr lang="en-US" sz="1100" dirty="0" smtClean="0"/>
               <a:t>-PHARMACY SUBCLASS</a:t>
             </a:r>
-            <a:endParaRPr lang="en-US" sz="1100" dirty="0" smtClean="0"/>
           </a:p>
         </p:txBody>
       </p:sp>
@@ -4049,16 +4017,11 @@
               <a:rPr lang="en-US" sz="1100" b="1" dirty="0" smtClean="0"/>
               <a:t>ABX-MEDICATION-OP</a:t>
             </a:r>
-            <a:endParaRPr lang="en-US" sz="1100" b="1" dirty="0" smtClean="0"/>
-          </a:p>
-          <a:p>
-            <a:r>
-              <a:rPr lang="en-US" sz="1100" dirty="0" smtClean="0"/>
-              <a:t>-</a:t>
-            </a:r>
-            <a:r>
-              <a:rPr lang="en-US" sz="1100" dirty="0" smtClean="0"/>
-              <a:t>ID</a:t>
+          </a:p>
+          <a:p>
+            <a:r>
+              <a:rPr lang="en-US" sz="1100" dirty="0" smtClean="0"/>
+              <a:t>-ID</a:t>
             </a:r>
           </a:p>
           <a:p>
@@ -4070,7 +4033,6 @@
               <a:rPr lang="en-US" sz="1100" dirty="0" smtClean="0"/>
               <a:t>ORDER</a:t>
             </a:r>
-            <a:endParaRPr lang="en-US" sz="1100" dirty="0" smtClean="0"/>
           </a:p>
           <a:p>
             <a:r>
@@ -4107,7 +4069,6 @@
               <a:rPr lang="en-US" sz="1100" dirty="0" smtClean="0"/>
               <a:t>-PHARMACY SUBCLASS</a:t>
             </a:r>
-            <a:endParaRPr lang="en-US" sz="1100" dirty="0" smtClean="0"/>
           </a:p>
         </p:txBody>
       </p:sp>
@@ -4142,16 +4103,11 @@
               <a:rPr lang="en-US" sz="1100" b="1" dirty="0" smtClean="0"/>
               <a:t>MEDICATION-IP</a:t>
             </a:r>
-            <a:endParaRPr lang="en-US" sz="1100" b="1" dirty="0" smtClean="0"/>
-          </a:p>
-          <a:p>
-            <a:r>
-              <a:rPr lang="en-US" sz="1100" dirty="0" smtClean="0"/>
-              <a:t>-</a:t>
-            </a:r>
-            <a:r>
-              <a:rPr lang="en-US" sz="1100" dirty="0" smtClean="0"/>
-              <a:t>ID</a:t>
+          </a:p>
+          <a:p>
+            <a:r>
+              <a:rPr lang="en-US" sz="1100" dirty="0" smtClean="0"/>
+              <a:t>-ID</a:t>
             </a:r>
           </a:p>
           <a:p>
@@ -4163,7 +4119,6 @@
               <a:rPr lang="en-US" sz="1100" dirty="0" smtClean="0"/>
               <a:t>TAKEN</a:t>
             </a:r>
-            <a:endParaRPr lang="en-US" sz="1100" dirty="0" smtClean="0"/>
           </a:p>
           <a:p>
             <a:r>
@@ -4180,7 +4135,6 @@
               <a:rPr lang="en-US" sz="1100" dirty="0" smtClean="0"/>
               <a:t>ACTION</a:t>
             </a:r>
-            <a:endParaRPr lang="en-US" sz="1100" dirty="0" smtClean="0"/>
           </a:p>
           <a:p>
             <a:r>
@@ -4211,7 +4165,6 @@
               <a:rPr lang="en-US" sz="1100" dirty="0" smtClean="0"/>
               <a:t>-PHARMACY SUBCLASS</a:t>
             </a:r>
-            <a:endParaRPr lang="en-US" sz="1100" dirty="0" smtClean="0"/>
           </a:p>
         </p:txBody>
       </p:sp>
@@ -4246,16 +4199,11 @@
               <a:rPr lang="en-US" sz="1100" b="1" dirty="0" smtClean="0"/>
               <a:t>MEDICATION-OP</a:t>
             </a:r>
-            <a:endParaRPr lang="en-US" sz="1100" b="1" dirty="0" smtClean="0"/>
-          </a:p>
-          <a:p>
-            <a:r>
-              <a:rPr lang="en-US" sz="1100" dirty="0" smtClean="0"/>
-              <a:t>-</a:t>
-            </a:r>
-            <a:r>
-              <a:rPr lang="en-US" sz="1100" dirty="0" smtClean="0"/>
-              <a:t>ID</a:t>
+          </a:p>
+          <a:p>
+            <a:r>
+              <a:rPr lang="en-US" sz="1100" dirty="0" smtClean="0"/>
+              <a:t>-ID</a:t>
             </a:r>
           </a:p>
           <a:p>
@@ -4267,7 +4215,6 @@
               <a:rPr lang="en-US" sz="1100" dirty="0" smtClean="0"/>
               <a:t>TAKEN</a:t>
             </a:r>
-            <a:endParaRPr lang="en-US" sz="1100" dirty="0" smtClean="0"/>
           </a:p>
           <a:p>
             <a:r>
@@ -4284,7 +4231,6 @@
               <a:rPr lang="en-US" sz="1100" dirty="0" smtClean="0"/>
               <a:t>ACTION</a:t>
             </a:r>
-            <a:endParaRPr lang="en-US" sz="1100" dirty="0" smtClean="0"/>
           </a:p>
           <a:p>
             <a:r>
@@ -4315,7 +4261,6 @@
               <a:rPr lang="en-US" sz="1100" dirty="0" smtClean="0"/>
               <a:t>-PHARMACY SUBCLASS</a:t>
             </a:r>
-            <a:endParaRPr lang="en-US" sz="1100" dirty="0" smtClean="0"/>
           </a:p>
         </p:txBody>
       </p:sp>
@@ -4350,7 +4295,6 @@
               <a:rPr lang="en-US" sz="1100" b="1" dirty="0" smtClean="0"/>
               <a:t>WELLNESS (initial)*</a:t>
             </a:r>
-            <a:endParaRPr lang="en-US" sz="1100" b="1" dirty="0" smtClean="0"/>
           </a:p>
           <a:p>
             <a:r>
@@ -4397,11 +4341,7 @@
           <a:p>
             <a:r>
               <a:rPr lang="en-US" sz="1100" dirty="0" smtClean="0"/>
-              <a:t>-</a:t>
-            </a:r>
-            <a:r>
-              <a:rPr lang="en-US" sz="1100" dirty="0" smtClean="0"/>
-              <a:t>ENCOUNTER</a:t>
+              <a:t>-ENCOUNTER</a:t>
             </a:r>
           </a:p>
           <a:p>
@@ -4415,7 +4355,6 @@
               <a:rPr lang="en-US" sz="1100" dirty="0" smtClean="0"/>
               <a:t>-GEST-AGE*</a:t>
             </a:r>
-            <a:endParaRPr lang="en-US" sz="1100" dirty="0" smtClean="0"/>
           </a:p>
         </p:txBody>
       </p:sp>
@@ -4450,16 +4389,11 @@
               <a:rPr lang="en-US" sz="1100" b="1" dirty="0" smtClean="0"/>
               <a:t>ABX-MEDICATION-OP</a:t>
             </a:r>
-            <a:endParaRPr lang="en-US" sz="1100" b="1" dirty="0" smtClean="0"/>
-          </a:p>
-          <a:p>
-            <a:r>
-              <a:rPr lang="en-US" sz="1100" dirty="0" smtClean="0"/>
-              <a:t>-</a:t>
-            </a:r>
-            <a:r>
-              <a:rPr lang="en-US" sz="1100" dirty="0" smtClean="0"/>
-              <a:t>ID</a:t>
+          </a:p>
+          <a:p>
+            <a:r>
+              <a:rPr lang="en-US" sz="1100" dirty="0" smtClean="0"/>
+              <a:t>-ID</a:t>
             </a:r>
           </a:p>
           <a:p>
@@ -4471,7 +4405,6 @@
               <a:rPr lang="en-US" sz="1100" dirty="0" smtClean="0"/>
               <a:t>ORDER</a:t>
             </a:r>
-            <a:endParaRPr lang="en-US" sz="1100" dirty="0" smtClean="0"/>
           </a:p>
           <a:p>
             <a:r>
@@ -4508,7 +4441,6 @@
               <a:rPr lang="en-US" sz="1100" dirty="0" smtClean="0"/>
               <a:t>-PHARMACY SUBCLASS</a:t>
             </a:r>
-            <a:endParaRPr lang="en-US" sz="1100" dirty="0" smtClean="0"/>
           </a:p>
         </p:txBody>
       </p:sp>
@@ -4543,16 +4475,11 @@
               <a:rPr lang="en-US" sz="1100" b="1" dirty="0" smtClean="0"/>
               <a:t>MEDICATION-OP</a:t>
             </a:r>
-            <a:endParaRPr lang="en-US" sz="1100" b="1" dirty="0" smtClean="0"/>
-          </a:p>
-          <a:p>
-            <a:r>
-              <a:rPr lang="en-US" sz="1100" dirty="0" smtClean="0"/>
-              <a:t>-</a:t>
-            </a:r>
-            <a:r>
-              <a:rPr lang="en-US" sz="1100" dirty="0" smtClean="0"/>
-              <a:t>ID</a:t>
+          </a:p>
+          <a:p>
+            <a:r>
+              <a:rPr lang="en-US" sz="1100" dirty="0" smtClean="0"/>
+              <a:t>-ID</a:t>
             </a:r>
           </a:p>
           <a:p>
@@ -4564,7 +4491,6 @@
               <a:rPr lang="en-US" sz="1100" dirty="0" smtClean="0"/>
               <a:t>TAKEN</a:t>
             </a:r>
-            <a:endParaRPr lang="en-US" sz="1100" dirty="0" smtClean="0"/>
           </a:p>
           <a:p>
             <a:r>
@@ -4581,7 +4507,6 @@
               <a:rPr lang="en-US" sz="1100" dirty="0" smtClean="0"/>
               <a:t>ACTION</a:t>
             </a:r>
-            <a:endParaRPr lang="en-US" sz="1100" dirty="0" smtClean="0"/>
           </a:p>
           <a:p>
             <a:r>
@@ -4612,7 +4537,6 @@
               <a:rPr lang="en-US" sz="1100" dirty="0" smtClean="0"/>
               <a:t>-PHARMACY SUBCLASS</a:t>
             </a:r>
-            <a:endParaRPr lang="en-US" sz="1100" dirty="0" smtClean="0"/>
           </a:p>
         </p:txBody>
       </p:sp>
@@ -4647,7 +4571,6 @@
               <a:rPr lang="en-US" sz="1100" b="1" dirty="0" smtClean="0"/>
               <a:t>WELLNESS (mom)</a:t>
             </a:r>
-            <a:endParaRPr lang="en-US" sz="1100" b="1" dirty="0" smtClean="0"/>
           </a:p>
           <a:p>
             <a:r>
@@ -4676,11 +4599,7 @@
           <a:p>
             <a:r>
               <a:rPr lang="en-US" sz="1100" dirty="0" smtClean="0"/>
-              <a:t>-HEAD </a:t>
-            </a:r>
-            <a:r>
-              <a:rPr lang="en-US" sz="1100" dirty="0" smtClean="0"/>
-              <a:t>CIRCUMFERENCE</a:t>
+              <a:t>-HEAD CIRCUMFERENCE</a:t>
             </a:r>
           </a:p>
           <a:p>
@@ -4698,7 +4617,6 @@
               <a:rPr lang="en-US" sz="1100" dirty="0" smtClean="0"/>
               <a:t>*</a:t>
             </a:r>
-            <a:endParaRPr lang="en-US" sz="1100" dirty="0" smtClean="0"/>
           </a:p>
           <a:p>
             <a:r>
@@ -4913,8 +4831,23 @@
           <a:p>
             <a:r>
               <a:rPr lang="en-US" dirty="0" smtClean="0"/>
-              <a:t>Reproductive Cancer</a:t>
-            </a:r>
+              <a:t>Reproductive </a:t>
+            </a:r>
+            <a:r>
+              <a:rPr lang="en-US" dirty="0" smtClean="0"/>
+              <a:t>Cancer</a:t>
+            </a:r>
+          </a:p>
+          <a:p>
+            <a:pPr lvl="1"/>
+            <a:r>
+              <a:rPr lang="en-US" dirty="0" smtClean="0"/>
+              <a:t>Breast (codes)</a:t>
+            </a:r>
+          </a:p>
+          <a:p>
+            <a:pPr lvl="1"/>
+            <a:endParaRPr lang="en-US" dirty="0" smtClean="0"/>
           </a:p>
           <a:p>
             <a:pPr lvl="1"/>

--- a/datadictionary/datadictionary.pptx
+++ b/datadictionary/datadictionary.pptx
@@ -114,6 +114,35 @@
 </p:presentation>
 </file>
 
+<file path=ppt/changesInfos/changesInfo1.xml><?xml version="1.0" encoding="utf-8"?>
+<pc:chgInfo xmlns:a="http://schemas.openxmlformats.org/drawingml/2006/main" xmlns:r="http://schemas.openxmlformats.org/officeDocument/2006/relationships" xmlns:ac="http://schemas.microsoft.com/office/drawing/2013/main/command" xmlns:pc="http://schemas.microsoft.com/office/powerpoint/2013/main/command">
+  <pc:docChgLst>
+    <pc:chgData name="Dominick Lemas" userId="5a87caf6b30614cd" providerId="LiveId" clId="{590F0973-9324-4209-9C78-24D0AD50807F}"/>
+    <pc:docChg chg="modSld">
+      <pc:chgData name="Dominick Lemas" userId="5a87caf6b30614cd" providerId="LiveId" clId="{590F0973-9324-4209-9C78-24D0AD50807F}" dt="2021-05-25T17:26:22.875" v="1" actId="6549"/>
+      <pc:docMkLst>
+        <pc:docMk/>
+      </pc:docMkLst>
+      <pc:sldChg chg="modSp mod">
+        <pc:chgData name="Dominick Lemas" userId="5a87caf6b30614cd" providerId="LiveId" clId="{590F0973-9324-4209-9C78-24D0AD50807F}" dt="2021-05-25T17:26:22.875" v="1" actId="6549"/>
+        <pc:sldMkLst>
+          <pc:docMk/>
+          <pc:sldMk cId="4179660733" sldId="258"/>
+        </pc:sldMkLst>
+        <pc:spChg chg="mod">
+          <ac:chgData name="Dominick Lemas" userId="5a87caf6b30614cd" providerId="LiveId" clId="{590F0973-9324-4209-9C78-24D0AD50807F}" dt="2021-05-25T17:26:22.875" v="1" actId="6549"/>
+          <ac:spMkLst>
+            <pc:docMk/>
+            <pc:sldMk cId="4179660733" sldId="258"/>
+            <ac:spMk id="3" creationId="{00000000-0000-0000-0000-000000000000}"/>
+          </ac:spMkLst>
+        </pc:spChg>
+      </pc:sldChg>
+    </pc:docChg>
+  </pc:docChgLst>
+</pc:chgInfo>
+</file>
+
 <file path=ppt/slideLayouts/slideLayout1.xml><?xml version="1.0" encoding="utf-8"?>
 <p:sldLayout xmlns:a="http://schemas.openxmlformats.org/drawingml/2006/main" xmlns:r="http://schemas.openxmlformats.org/officeDocument/2006/relationships" xmlns:p="http://schemas.openxmlformats.org/presentationml/2006/main" type="title" preserve="1">
   <p:cSld name="Title Slide">
@@ -156,10 +185,9 @@
           </a:lstStyle>
           <a:p>
             <a:r>
-              <a:rPr lang="en-US" smtClean="0"/>
+              <a:rPr lang="en-US"/>
               <a:t>Click to edit Master title style</a:t>
             </a:r>
-            <a:endParaRPr lang="en-US"/>
           </a:p>
         </p:txBody>
       </p:sp>
@@ -221,10 +249,9 @@
           </a:lstStyle>
           <a:p>
             <a:r>
-              <a:rPr lang="en-US" smtClean="0"/>
+              <a:rPr lang="en-US"/>
               <a:t>Click to edit Master subtitle style</a:t>
             </a:r>
-            <a:endParaRPr lang="en-US"/>
           </a:p>
         </p:txBody>
       </p:sp>
@@ -245,7 +272,7 @@
           <a:p>
             <a:fld id="{0FC0BF6C-EDC1-4E0F-A53B-5A32911CAD52}" type="datetimeFigureOut">
               <a:rPr lang="en-US" smtClean="0"/>
-              <a:t>5/11/2021</a:t>
+              <a:t>5/25/2021</a:t>
             </a:fld>
             <a:endParaRPr lang="en-US"/>
           </a:p>
@@ -339,10 +366,9 @@
           <a:lstStyle/>
           <a:p>
             <a:r>
-              <a:rPr lang="en-US" smtClean="0"/>
+              <a:rPr lang="en-US"/>
               <a:t>Click to edit Master title style</a:t>
             </a:r>
-            <a:endParaRPr lang="en-US"/>
           </a:p>
         </p:txBody>
       </p:sp>
@@ -363,38 +389,37 @@
           <a:p>
             <a:pPr lvl="0"/>
             <a:r>
-              <a:rPr lang="en-US" smtClean="0"/>
+              <a:rPr lang="en-US"/>
               <a:t>Edit Master text styles</a:t>
             </a:r>
           </a:p>
           <a:p>
             <a:pPr lvl="1"/>
             <a:r>
-              <a:rPr lang="en-US" smtClean="0"/>
+              <a:rPr lang="en-US"/>
               <a:t>Second level</a:t>
             </a:r>
           </a:p>
           <a:p>
             <a:pPr lvl="2"/>
             <a:r>
-              <a:rPr lang="en-US" smtClean="0"/>
+              <a:rPr lang="en-US"/>
               <a:t>Third level</a:t>
             </a:r>
           </a:p>
           <a:p>
             <a:pPr lvl="3"/>
             <a:r>
-              <a:rPr lang="en-US" smtClean="0"/>
+              <a:rPr lang="en-US"/>
               <a:t>Fourth level</a:t>
             </a:r>
           </a:p>
           <a:p>
             <a:pPr lvl="4"/>
             <a:r>
-              <a:rPr lang="en-US" smtClean="0"/>
+              <a:rPr lang="en-US"/>
               <a:t>Fifth level</a:t>
             </a:r>
-            <a:endParaRPr lang="en-US"/>
           </a:p>
         </p:txBody>
       </p:sp>
@@ -415,7 +440,7 @@
           <a:p>
             <a:fld id="{0FC0BF6C-EDC1-4E0F-A53B-5A32911CAD52}" type="datetimeFigureOut">
               <a:rPr lang="en-US" smtClean="0"/>
-              <a:t>5/11/2021</a:t>
+              <a:t>5/25/2021</a:t>
             </a:fld>
             <a:endParaRPr lang="en-US"/>
           </a:p>
@@ -514,10 +539,9 @@
           <a:lstStyle/>
           <a:p>
             <a:r>
-              <a:rPr lang="en-US" smtClean="0"/>
+              <a:rPr lang="en-US"/>
               <a:t>Click to edit Master title style</a:t>
             </a:r>
-            <a:endParaRPr lang="en-US"/>
           </a:p>
         </p:txBody>
       </p:sp>
@@ -543,38 +567,37 @@
           <a:p>
             <a:pPr lvl="0"/>
             <a:r>
-              <a:rPr lang="en-US" smtClean="0"/>
+              <a:rPr lang="en-US"/>
               <a:t>Edit Master text styles</a:t>
             </a:r>
           </a:p>
           <a:p>
             <a:pPr lvl="1"/>
             <a:r>
-              <a:rPr lang="en-US" smtClean="0"/>
+              <a:rPr lang="en-US"/>
               <a:t>Second level</a:t>
             </a:r>
           </a:p>
           <a:p>
             <a:pPr lvl="2"/>
             <a:r>
-              <a:rPr lang="en-US" smtClean="0"/>
+              <a:rPr lang="en-US"/>
               <a:t>Third level</a:t>
             </a:r>
           </a:p>
           <a:p>
             <a:pPr lvl="3"/>
             <a:r>
-              <a:rPr lang="en-US" smtClean="0"/>
+              <a:rPr lang="en-US"/>
               <a:t>Fourth level</a:t>
             </a:r>
           </a:p>
           <a:p>
             <a:pPr lvl="4"/>
             <a:r>
-              <a:rPr lang="en-US" smtClean="0"/>
+              <a:rPr lang="en-US"/>
               <a:t>Fifth level</a:t>
             </a:r>
-            <a:endParaRPr lang="en-US"/>
           </a:p>
         </p:txBody>
       </p:sp>
@@ -595,7 +618,7 @@
           <a:p>
             <a:fld id="{0FC0BF6C-EDC1-4E0F-A53B-5A32911CAD52}" type="datetimeFigureOut">
               <a:rPr lang="en-US" smtClean="0"/>
-              <a:t>5/11/2021</a:t>
+              <a:t>5/25/2021</a:t>
             </a:fld>
             <a:endParaRPr lang="en-US"/>
           </a:p>
@@ -689,10 +712,9 @@
           <a:lstStyle/>
           <a:p>
             <a:r>
-              <a:rPr lang="en-US" smtClean="0"/>
+              <a:rPr lang="en-US"/>
               <a:t>Click to edit Master title style</a:t>
             </a:r>
-            <a:endParaRPr lang="en-US"/>
           </a:p>
         </p:txBody>
       </p:sp>
@@ -713,38 +735,37 @@
           <a:p>
             <a:pPr lvl="0"/>
             <a:r>
-              <a:rPr lang="en-US" smtClean="0"/>
+              <a:rPr lang="en-US"/>
               <a:t>Edit Master text styles</a:t>
             </a:r>
           </a:p>
           <a:p>
             <a:pPr lvl="1"/>
             <a:r>
-              <a:rPr lang="en-US" smtClean="0"/>
+              <a:rPr lang="en-US"/>
               <a:t>Second level</a:t>
             </a:r>
           </a:p>
           <a:p>
             <a:pPr lvl="2"/>
             <a:r>
-              <a:rPr lang="en-US" smtClean="0"/>
+              <a:rPr lang="en-US"/>
               <a:t>Third level</a:t>
             </a:r>
           </a:p>
           <a:p>
             <a:pPr lvl="3"/>
             <a:r>
-              <a:rPr lang="en-US" smtClean="0"/>
+              <a:rPr lang="en-US"/>
               <a:t>Fourth level</a:t>
             </a:r>
           </a:p>
           <a:p>
             <a:pPr lvl="4"/>
             <a:r>
-              <a:rPr lang="en-US" smtClean="0"/>
+              <a:rPr lang="en-US"/>
               <a:t>Fifth level</a:t>
             </a:r>
-            <a:endParaRPr lang="en-US"/>
           </a:p>
         </p:txBody>
       </p:sp>
@@ -765,7 +786,7 @@
           <a:p>
             <a:fld id="{0FC0BF6C-EDC1-4E0F-A53B-5A32911CAD52}" type="datetimeFigureOut">
               <a:rPr lang="en-US" smtClean="0"/>
-              <a:t>5/11/2021</a:t>
+              <a:t>5/25/2021</a:t>
             </a:fld>
             <a:endParaRPr lang="en-US"/>
           </a:p>
@@ -868,10 +889,9 @@
           </a:lstStyle>
           <a:p>
             <a:r>
-              <a:rPr lang="en-US" smtClean="0"/>
+              <a:rPr lang="en-US"/>
               <a:t>Click to edit Master title style</a:t>
             </a:r>
-            <a:endParaRPr lang="en-US"/>
           </a:p>
         </p:txBody>
       </p:sp>
@@ -988,7 +1008,7 @@
           <a:p>
             <a:pPr lvl="0"/>
             <a:r>
-              <a:rPr lang="en-US" smtClean="0"/>
+              <a:rPr lang="en-US"/>
               <a:t>Edit Master text styles</a:t>
             </a:r>
           </a:p>
@@ -1011,7 +1031,7 @@
           <a:p>
             <a:fld id="{0FC0BF6C-EDC1-4E0F-A53B-5A32911CAD52}" type="datetimeFigureOut">
               <a:rPr lang="en-US" smtClean="0"/>
-              <a:t>5/11/2021</a:t>
+              <a:t>5/25/2021</a:t>
             </a:fld>
             <a:endParaRPr lang="en-US"/>
           </a:p>
@@ -1105,10 +1125,9 @@
           <a:lstStyle/>
           <a:p>
             <a:r>
-              <a:rPr lang="en-US" smtClean="0"/>
+              <a:rPr lang="en-US"/>
               <a:t>Click to edit Master title style</a:t>
             </a:r>
-            <a:endParaRPr lang="en-US"/>
           </a:p>
         </p:txBody>
       </p:sp>
@@ -1134,38 +1153,37 @@
           <a:p>
             <a:pPr lvl="0"/>
             <a:r>
-              <a:rPr lang="en-US" smtClean="0"/>
+              <a:rPr lang="en-US"/>
               <a:t>Edit Master text styles</a:t>
             </a:r>
           </a:p>
           <a:p>
             <a:pPr lvl="1"/>
             <a:r>
-              <a:rPr lang="en-US" smtClean="0"/>
+              <a:rPr lang="en-US"/>
               <a:t>Second level</a:t>
             </a:r>
           </a:p>
           <a:p>
             <a:pPr lvl="2"/>
             <a:r>
-              <a:rPr lang="en-US" smtClean="0"/>
+              <a:rPr lang="en-US"/>
               <a:t>Third level</a:t>
             </a:r>
           </a:p>
           <a:p>
             <a:pPr lvl="3"/>
             <a:r>
-              <a:rPr lang="en-US" smtClean="0"/>
+              <a:rPr lang="en-US"/>
               <a:t>Fourth level</a:t>
             </a:r>
           </a:p>
           <a:p>
             <a:pPr lvl="4"/>
             <a:r>
-              <a:rPr lang="en-US" smtClean="0"/>
+              <a:rPr lang="en-US"/>
               <a:t>Fifth level</a:t>
             </a:r>
-            <a:endParaRPr lang="en-US"/>
           </a:p>
         </p:txBody>
       </p:sp>
@@ -1191,38 +1209,37 @@
           <a:p>
             <a:pPr lvl="0"/>
             <a:r>
-              <a:rPr lang="en-US" smtClean="0"/>
+              <a:rPr lang="en-US"/>
               <a:t>Edit Master text styles</a:t>
             </a:r>
           </a:p>
           <a:p>
             <a:pPr lvl="1"/>
             <a:r>
-              <a:rPr lang="en-US" smtClean="0"/>
+              <a:rPr lang="en-US"/>
               <a:t>Second level</a:t>
             </a:r>
           </a:p>
           <a:p>
             <a:pPr lvl="2"/>
             <a:r>
-              <a:rPr lang="en-US" smtClean="0"/>
+              <a:rPr lang="en-US"/>
               <a:t>Third level</a:t>
             </a:r>
           </a:p>
           <a:p>
             <a:pPr lvl="3"/>
             <a:r>
-              <a:rPr lang="en-US" smtClean="0"/>
+              <a:rPr lang="en-US"/>
               <a:t>Fourth level</a:t>
             </a:r>
           </a:p>
           <a:p>
             <a:pPr lvl="4"/>
             <a:r>
-              <a:rPr lang="en-US" smtClean="0"/>
+              <a:rPr lang="en-US"/>
               <a:t>Fifth level</a:t>
             </a:r>
-            <a:endParaRPr lang="en-US"/>
           </a:p>
         </p:txBody>
       </p:sp>
@@ -1243,7 +1260,7 @@
           <a:p>
             <a:fld id="{0FC0BF6C-EDC1-4E0F-A53B-5A32911CAD52}" type="datetimeFigureOut">
               <a:rPr lang="en-US" smtClean="0"/>
-              <a:t>5/11/2021</a:t>
+              <a:t>5/25/2021</a:t>
             </a:fld>
             <a:endParaRPr lang="en-US"/>
           </a:p>
@@ -1342,10 +1359,9 @@
           <a:lstStyle/>
           <a:p>
             <a:r>
-              <a:rPr lang="en-US" smtClean="0"/>
+              <a:rPr lang="en-US"/>
               <a:t>Click to edit Master title style</a:t>
             </a:r>
-            <a:endParaRPr lang="en-US"/>
           </a:p>
         </p:txBody>
       </p:sp>
@@ -1408,7 +1424,7 @@
           <a:p>
             <a:pPr lvl="0"/>
             <a:r>
-              <a:rPr lang="en-US" smtClean="0"/>
+              <a:rPr lang="en-US"/>
               <a:t>Edit Master text styles</a:t>
             </a:r>
           </a:p>
@@ -1436,38 +1452,37 @@
           <a:p>
             <a:pPr lvl="0"/>
             <a:r>
-              <a:rPr lang="en-US" smtClean="0"/>
+              <a:rPr lang="en-US"/>
               <a:t>Edit Master text styles</a:t>
             </a:r>
           </a:p>
           <a:p>
             <a:pPr lvl="1"/>
             <a:r>
-              <a:rPr lang="en-US" smtClean="0"/>
+              <a:rPr lang="en-US"/>
               <a:t>Second level</a:t>
             </a:r>
           </a:p>
           <a:p>
             <a:pPr lvl="2"/>
             <a:r>
-              <a:rPr lang="en-US" smtClean="0"/>
+              <a:rPr lang="en-US"/>
               <a:t>Third level</a:t>
             </a:r>
           </a:p>
           <a:p>
             <a:pPr lvl="3"/>
             <a:r>
-              <a:rPr lang="en-US" smtClean="0"/>
+              <a:rPr lang="en-US"/>
               <a:t>Fourth level</a:t>
             </a:r>
           </a:p>
           <a:p>
             <a:pPr lvl="4"/>
             <a:r>
-              <a:rPr lang="en-US" smtClean="0"/>
+              <a:rPr lang="en-US"/>
               <a:t>Fifth level</a:t>
             </a:r>
-            <a:endParaRPr lang="en-US"/>
           </a:p>
         </p:txBody>
       </p:sp>
@@ -1530,7 +1545,7 @@
           <a:p>
             <a:pPr lvl="0"/>
             <a:r>
-              <a:rPr lang="en-US" smtClean="0"/>
+              <a:rPr lang="en-US"/>
               <a:t>Edit Master text styles</a:t>
             </a:r>
           </a:p>
@@ -1558,38 +1573,37 @@
           <a:p>
             <a:pPr lvl="0"/>
             <a:r>
-              <a:rPr lang="en-US" smtClean="0"/>
+              <a:rPr lang="en-US"/>
               <a:t>Edit Master text styles</a:t>
             </a:r>
           </a:p>
           <a:p>
             <a:pPr lvl="1"/>
             <a:r>
-              <a:rPr lang="en-US" smtClean="0"/>
+              <a:rPr lang="en-US"/>
               <a:t>Second level</a:t>
             </a:r>
           </a:p>
           <a:p>
             <a:pPr lvl="2"/>
             <a:r>
-              <a:rPr lang="en-US" smtClean="0"/>
+              <a:rPr lang="en-US"/>
               <a:t>Third level</a:t>
             </a:r>
           </a:p>
           <a:p>
             <a:pPr lvl="3"/>
             <a:r>
-              <a:rPr lang="en-US" smtClean="0"/>
+              <a:rPr lang="en-US"/>
               <a:t>Fourth level</a:t>
             </a:r>
           </a:p>
           <a:p>
             <a:pPr lvl="4"/>
             <a:r>
-              <a:rPr lang="en-US" smtClean="0"/>
+              <a:rPr lang="en-US"/>
               <a:t>Fifth level</a:t>
             </a:r>
-            <a:endParaRPr lang="en-US"/>
           </a:p>
         </p:txBody>
       </p:sp>
@@ -1610,7 +1624,7 @@
           <a:p>
             <a:fld id="{0FC0BF6C-EDC1-4E0F-A53B-5A32911CAD52}" type="datetimeFigureOut">
               <a:rPr lang="en-US" smtClean="0"/>
-              <a:t>5/11/2021</a:t>
+              <a:t>5/25/2021</a:t>
             </a:fld>
             <a:endParaRPr lang="en-US"/>
           </a:p>
@@ -1704,10 +1718,9 @@
           <a:lstStyle/>
           <a:p>
             <a:r>
-              <a:rPr lang="en-US" smtClean="0"/>
+              <a:rPr lang="en-US"/>
               <a:t>Click to edit Master title style</a:t>
             </a:r>
-            <a:endParaRPr lang="en-US"/>
           </a:p>
         </p:txBody>
       </p:sp>
@@ -1728,7 +1741,7 @@
           <a:p>
             <a:fld id="{0FC0BF6C-EDC1-4E0F-A53B-5A32911CAD52}" type="datetimeFigureOut">
               <a:rPr lang="en-US" smtClean="0"/>
-              <a:t>5/11/2021</a:t>
+              <a:t>5/25/2021</a:t>
             </a:fld>
             <a:endParaRPr lang="en-US"/>
           </a:p>
@@ -1823,7 +1836,7 @@
           <a:p>
             <a:fld id="{0FC0BF6C-EDC1-4E0F-A53B-5A32911CAD52}" type="datetimeFigureOut">
               <a:rPr lang="en-US" smtClean="0"/>
-              <a:t>5/11/2021</a:t>
+              <a:t>5/25/2021</a:t>
             </a:fld>
             <a:endParaRPr lang="en-US"/>
           </a:p>
@@ -1926,10 +1939,9 @@
           </a:lstStyle>
           <a:p>
             <a:r>
-              <a:rPr lang="en-US" smtClean="0"/>
+              <a:rPr lang="en-US"/>
               <a:t>Click to edit Master title style</a:t>
             </a:r>
-            <a:endParaRPr lang="en-US"/>
           </a:p>
         </p:txBody>
       </p:sp>
@@ -1983,38 +1995,37 @@
           <a:p>
             <a:pPr lvl="0"/>
             <a:r>
-              <a:rPr lang="en-US" smtClean="0"/>
+              <a:rPr lang="en-US"/>
               <a:t>Edit Master text styles</a:t>
             </a:r>
           </a:p>
           <a:p>
             <a:pPr lvl="1"/>
             <a:r>
-              <a:rPr lang="en-US" smtClean="0"/>
+              <a:rPr lang="en-US"/>
               <a:t>Second level</a:t>
             </a:r>
           </a:p>
           <a:p>
             <a:pPr lvl="2"/>
             <a:r>
-              <a:rPr lang="en-US" smtClean="0"/>
+              <a:rPr lang="en-US"/>
               <a:t>Third level</a:t>
             </a:r>
           </a:p>
           <a:p>
             <a:pPr lvl="3"/>
             <a:r>
-              <a:rPr lang="en-US" smtClean="0"/>
+              <a:rPr lang="en-US"/>
               <a:t>Fourth level</a:t>
             </a:r>
           </a:p>
           <a:p>
             <a:pPr lvl="4"/>
             <a:r>
-              <a:rPr lang="en-US" smtClean="0"/>
+              <a:rPr lang="en-US"/>
               <a:t>Fifth level</a:t>
             </a:r>
-            <a:endParaRPr lang="en-US"/>
           </a:p>
         </p:txBody>
       </p:sp>
@@ -2077,7 +2088,7 @@
           <a:p>
             <a:pPr lvl="0"/>
             <a:r>
-              <a:rPr lang="en-US" smtClean="0"/>
+              <a:rPr lang="en-US"/>
               <a:t>Edit Master text styles</a:t>
             </a:r>
           </a:p>
@@ -2100,7 +2111,7 @@
           <a:p>
             <a:fld id="{0FC0BF6C-EDC1-4E0F-A53B-5A32911CAD52}" type="datetimeFigureOut">
               <a:rPr lang="en-US" smtClean="0"/>
-              <a:t>5/11/2021</a:t>
+              <a:t>5/25/2021</a:t>
             </a:fld>
             <a:endParaRPr lang="en-US"/>
           </a:p>
@@ -2203,10 +2214,9 @@
           </a:lstStyle>
           <a:p>
             <a:r>
-              <a:rPr lang="en-US" smtClean="0"/>
+              <a:rPr lang="en-US"/>
               <a:t>Click to edit Master title style</a:t>
             </a:r>
-            <a:endParaRPr lang="en-US"/>
           </a:p>
         </p:txBody>
       </p:sp>
@@ -2330,7 +2340,7 @@
           <a:p>
             <a:pPr lvl="0"/>
             <a:r>
-              <a:rPr lang="en-US" smtClean="0"/>
+              <a:rPr lang="en-US"/>
               <a:t>Edit Master text styles</a:t>
             </a:r>
           </a:p>
@@ -2353,7 +2363,7 @@
           <a:p>
             <a:fld id="{0FC0BF6C-EDC1-4E0F-A53B-5A32911CAD52}" type="datetimeFigureOut">
               <a:rPr lang="en-US" smtClean="0"/>
-              <a:t>5/11/2021</a:t>
+              <a:t>5/25/2021</a:t>
             </a:fld>
             <a:endParaRPr lang="en-US"/>
           </a:p>
@@ -2462,10 +2472,9 @@
           <a:lstStyle/>
           <a:p>
             <a:r>
-              <a:rPr lang="en-US" smtClean="0"/>
+              <a:rPr lang="en-US"/>
               <a:t>Click to edit Master title style</a:t>
             </a:r>
-            <a:endParaRPr lang="en-US"/>
           </a:p>
         </p:txBody>
       </p:sp>
@@ -2496,38 +2505,37 @@
           <a:p>
             <a:pPr lvl="0"/>
             <a:r>
-              <a:rPr lang="en-US" smtClean="0"/>
+              <a:rPr lang="en-US"/>
               <a:t>Edit Master text styles</a:t>
             </a:r>
           </a:p>
           <a:p>
             <a:pPr lvl="1"/>
             <a:r>
-              <a:rPr lang="en-US" smtClean="0"/>
+              <a:rPr lang="en-US"/>
               <a:t>Second level</a:t>
             </a:r>
           </a:p>
           <a:p>
             <a:pPr lvl="2"/>
             <a:r>
-              <a:rPr lang="en-US" smtClean="0"/>
+              <a:rPr lang="en-US"/>
               <a:t>Third level</a:t>
             </a:r>
           </a:p>
           <a:p>
             <a:pPr lvl="3"/>
             <a:r>
-              <a:rPr lang="en-US" smtClean="0"/>
+              <a:rPr lang="en-US"/>
               <a:t>Fourth level</a:t>
             </a:r>
           </a:p>
           <a:p>
             <a:pPr lvl="4"/>
             <a:r>
-              <a:rPr lang="en-US" smtClean="0"/>
+              <a:rPr lang="en-US"/>
               <a:t>Fifth level</a:t>
             </a:r>
-            <a:endParaRPr lang="en-US"/>
           </a:p>
         </p:txBody>
       </p:sp>
@@ -2566,7 +2574,7 @@
           <a:p>
             <a:fld id="{0FC0BF6C-EDC1-4E0F-A53B-5A32911CAD52}" type="datetimeFigureOut">
               <a:rPr lang="en-US" smtClean="0"/>
-              <a:t>5/11/2021</a:t>
+              <a:t>5/25/2021</a:t>
             </a:fld>
             <a:endParaRPr lang="en-US"/>
           </a:p>
@@ -2999,55 +3007,55 @@
           <a:lstStyle/>
           <a:p>
             <a:r>
-              <a:rPr lang="en-US" sz="1100" b="1" dirty="0" smtClean="0"/>
+              <a:rPr lang="en-US" sz="1100" b="1" dirty="0"/>
               <a:t>PEDIATRIC DEMO</a:t>
             </a:r>
           </a:p>
           <a:p>
             <a:r>
-              <a:rPr lang="en-US" sz="1100" dirty="0" smtClean="0"/>
+              <a:rPr lang="en-US" sz="1100" dirty="0"/>
               <a:t>-ID</a:t>
             </a:r>
           </a:p>
           <a:p>
             <a:r>
-              <a:rPr lang="en-US" sz="1100" dirty="0" smtClean="0"/>
+              <a:rPr lang="en-US" sz="1100" dirty="0"/>
               <a:t>-RACE</a:t>
             </a:r>
           </a:p>
           <a:p>
             <a:r>
-              <a:rPr lang="en-US" sz="1100" dirty="0" smtClean="0"/>
+              <a:rPr lang="en-US" sz="1100" dirty="0"/>
               <a:t>-ETHNICITY</a:t>
             </a:r>
           </a:p>
           <a:p>
             <a:r>
-              <a:rPr lang="en-US" sz="1100" dirty="0" smtClean="0"/>
+              <a:rPr lang="en-US" sz="1100" dirty="0"/>
               <a:t>-DOB</a:t>
             </a:r>
           </a:p>
           <a:p>
             <a:r>
-              <a:rPr lang="en-US" sz="1100" dirty="0" smtClean="0"/>
+              <a:rPr lang="en-US" sz="1100" dirty="0"/>
               <a:t>-GENDER</a:t>
             </a:r>
           </a:p>
           <a:p>
             <a:r>
-              <a:rPr lang="en-US" sz="1100" dirty="0" smtClean="0"/>
+              <a:rPr lang="en-US" sz="1100" dirty="0"/>
               <a:t>-ZIP5</a:t>
             </a:r>
           </a:p>
           <a:p>
             <a:r>
-              <a:rPr lang="en-US" sz="1100" dirty="0" smtClean="0"/>
+              <a:rPr lang="en-US" sz="1100" dirty="0"/>
               <a:t>-ZIP9</a:t>
             </a:r>
           </a:p>
           <a:p>
             <a:r>
-              <a:rPr lang="en-US" sz="1100" dirty="0" smtClean="0"/>
+              <a:rPr lang="en-US" sz="1100" dirty="0"/>
               <a:t>-CONSENT2SHARE</a:t>
             </a:r>
           </a:p>
@@ -3081,59 +3089,55 @@
           <a:lstStyle/>
           <a:p>
             <a:r>
-              <a:rPr lang="en-US" sz="1100" b="1" dirty="0" smtClean="0"/>
+              <a:rPr lang="en-US" sz="1100" b="1" dirty="0"/>
               <a:t>MATERNAL DEMO</a:t>
             </a:r>
           </a:p>
           <a:p>
             <a:r>
-              <a:rPr lang="en-US" sz="1100" dirty="0" smtClean="0"/>
+              <a:rPr lang="en-US" sz="1100" dirty="0"/>
               <a:t>-ID</a:t>
             </a:r>
           </a:p>
           <a:p>
             <a:r>
               <a:rPr lang="en-US" sz="1100" dirty="0"/>
-              <a:t>-</a:t>
-            </a:r>
-            <a:r>
-              <a:rPr lang="en-US" sz="1100" dirty="0" smtClean="0"/>
-              <a:t>RACE</a:t>
-            </a:r>
-          </a:p>
-          <a:p>
-            <a:r>
-              <a:rPr lang="en-US" sz="1100" dirty="0" smtClean="0"/>
+              <a:t>-RACE</a:t>
+            </a:r>
+          </a:p>
+          <a:p>
+            <a:r>
+              <a:rPr lang="en-US" sz="1100" dirty="0"/>
               <a:t>-ETHNICITY</a:t>
             </a:r>
           </a:p>
           <a:p>
             <a:r>
-              <a:rPr lang="en-US" sz="1100" dirty="0" smtClean="0"/>
+              <a:rPr lang="en-US" sz="1100" dirty="0"/>
               <a:t>-AGE</a:t>
             </a:r>
           </a:p>
           <a:p>
             <a:r>
-              <a:rPr lang="en-US" sz="1100" dirty="0" smtClean="0"/>
+              <a:rPr lang="en-US" sz="1100" dirty="0"/>
               <a:t>-GENDER</a:t>
             </a:r>
           </a:p>
           <a:p>
             <a:r>
-              <a:rPr lang="en-US" sz="1100" dirty="0" smtClean="0"/>
+              <a:rPr lang="en-US" sz="1100" dirty="0"/>
               <a:t>-ZIP5</a:t>
             </a:r>
           </a:p>
           <a:p>
             <a:r>
-              <a:rPr lang="en-US" sz="1100" dirty="0" smtClean="0"/>
+              <a:rPr lang="en-US" sz="1100" dirty="0"/>
               <a:t>-ZIP9</a:t>
             </a:r>
           </a:p>
           <a:p>
             <a:r>
-              <a:rPr lang="en-US" sz="1100" dirty="0" smtClean="0"/>
+              <a:rPr lang="en-US" sz="1100" dirty="0"/>
               <a:t>-CONSENT2SHARE*</a:t>
             </a:r>
           </a:p>
@@ -3167,19 +3171,19 @@
           <a:lstStyle/>
           <a:p>
             <a:r>
-              <a:rPr lang="en-US" sz="1100" b="1" dirty="0" smtClean="0"/>
+              <a:rPr lang="en-US" sz="1100" b="1" dirty="0"/>
               <a:t>LINK</a:t>
             </a:r>
           </a:p>
           <a:p>
             <a:r>
-              <a:rPr lang="en-US" sz="1100" dirty="0" smtClean="0"/>
+              <a:rPr lang="en-US" sz="1100" dirty="0"/>
               <a:t>-ID (MOM)</a:t>
             </a:r>
           </a:p>
           <a:p>
             <a:r>
-              <a:rPr lang="en-US" sz="1100" dirty="0" smtClean="0"/>
+              <a:rPr lang="en-US" sz="1100" dirty="0"/>
               <a:t>-ID (BABY)</a:t>
             </a:r>
           </a:p>
@@ -3213,61 +3217,61 @@
           <a:lstStyle/>
           <a:p>
             <a:r>
-              <a:rPr lang="en-US" sz="1100" b="1" dirty="0" smtClean="0"/>
+              <a:rPr lang="en-US" sz="1100" b="1" dirty="0"/>
               <a:t>DELIVERY</a:t>
             </a:r>
           </a:p>
           <a:p>
             <a:r>
-              <a:rPr lang="en-US" sz="1100" dirty="0" smtClean="0"/>
+              <a:rPr lang="en-US" sz="1100" dirty="0"/>
               <a:t>-ID</a:t>
             </a:r>
           </a:p>
           <a:p>
             <a:r>
-              <a:rPr lang="en-US" sz="1100" dirty="0" smtClean="0"/>
+              <a:rPr lang="en-US" sz="1100" dirty="0"/>
               <a:t>-BIRTH_WEIGHT</a:t>
             </a:r>
           </a:p>
           <a:p>
             <a:r>
-              <a:rPr lang="en-US" sz="1100" dirty="0" smtClean="0"/>
+              <a:rPr lang="en-US" sz="1100" dirty="0"/>
               <a:t>-MODE OF DELIVERY</a:t>
             </a:r>
           </a:p>
           <a:p>
             <a:r>
-              <a:rPr lang="en-US" sz="1100" dirty="0" smtClean="0"/>
+              <a:rPr lang="en-US" sz="1100" dirty="0"/>
               <a:t>-ADMIT DATE</a:t>
             </a:r>
           </a:p>
           <a:p>
             <a:r>
-              <a:rPr lang="en-US" sz="1100" dirty="0" smtClean="0"/>
+              <a:rPr lang="en-US" sz="1100" dirty="0"/>
               <a:t>-GESTATIONAL AGE</a:t>
             </a:r>
           </a:p>
           <a:p>
             <a:r>
-              <a:rPr lang="en-US" sz="1100" dirty="0" smtClean="0"/>
+              <a:rPr lang="en-US" sz="1100" dirty="0"/>
               <a:t>-NICU LENGTH OF STAY</a:t>
             </a:r>
           </a:p>
           <a:p>
             <a:r>
-              <a:rPr lang="en-US" sz="1100" dirty="0" smtClean="0"/>
+              <a:rPr lang="en-US" sz="1100" dirty="0"/>
               <a:t>-INSURANCE</a:t>
             </a:r>
           </a:p>
           <a:p>
             <a:r>
-              <a:rPr lang="en-US" sz="1100" dirty="0" smtClean="0"/>
+              <a:rPr lang="en-US" sz="1100" dirty="0"/>
               <a:t>-HEIGHT</a:t>
             </a:r>
           </a:p>
           <a:p>
             <a:r>
-              <a:rPr lang="en-US" sz="1100" dirty="0" smtClean="0"/>
+              <a:rPr lang="en-US" sz="1100" dirty="0"/>
               <a:t>-HEAD CIRCUMFERENCE</a:t>
             </a:r>
           </a:p>
@@ -3301,31 +3305,31 @@
           <a:lstStyle/>
           <a:p>
             <a:r>
-              <a:rPr lang="en-US" sz="1100" b="1" dirty="0" smtClean="0"/>
+              <a:rPr lang="en-US" sz="1100" b="1" dirty="0"/>
               <a:t>CLINICAL NOTES</a:t>
             </a:r>
           </a:p>
           <a:p>
             <a:r>
-              <a:rPr lang="en-US" sz="1100" dirty="0" smtClean="0"/>
+              <a:rPr lang="en-US" sz="1100" dirty="0"/>
               <a:t>-ID</a:t>
             </a:r>
           </a:p>
           <a:p>
             <a:r>
-              <a:rPr lang="en-US" sz="1100" dirty="0" smtClean="0"/>
+              <a:rPr lang="en-US" sz="1100" dirty="0"/>
               <a:t>-DATE</a:t>
             </a:r>
           </a:p>
           <a:p>
             <a:r>
-              <a:rPr lang="en-US" sz="1100" dirty="0" smtClean="0"/>
+              <a:rPr lang="en-US" sz="1100" dirty="0"/>
               <a:t>-NOTE</a:t>
             </a:r>
           </a:p>
           <a:p>
             <a:r>
-              <a:rPr lang="en-US" sz="1100" dirty="0" smtClean="0"/>
+              <a:rPr lang="en-US" sz="1100" dirty="0"/>
               <a:t>-SOURCE</a:t>
             </a:r>
           </a:p>
@@ -3359,67 +3363,67 @@
           <a:lstStyle/>
           <a:p>
             <a:r>
-              <a:rPr lang="en-US" sz="1100" b="1" dirty="0" smtClean="0"/>
+              <a:rPr lang="en-US" sz="1100" b="1" dirty="0"/>
               <a:t>WELLNESS (routine)</a:t>
             </a:r>
           </a:p>
           <a:p>
             <a:r>
-              <a:rPr lang="en-US" sz="1100" dirty="0" smtClean="0"/>
+              <a:rPr lang="en-US" sz="1100" dirty="0"/>
               <a:t>-ID</a:t>
             </a:r>
           </a:p>
           <a:p>
             <a:r>
-              <a:rPr lang="en-US" sz="1100" dirty="0" smtClean="0"/>
+              <a:rPr lang="en-US" sz="1100" dirty="0"/>
               <a:t>-DATE</a:t>
             </a:r>
           </a:p>
           <a:p>
             <a:r>
-              <a:rPr lang="en-US" sz="1100" dirty="0" smtClean="0"/>
+              <a:rPr lang="en-US" sz="1100" dirty="0"/>
               <a:t>-HEIGHT</a:t>
             </a:r>
           </a:p>
           <a:p>
             <a:r>
-              <a:rPr lang="en-US" sz="1100" dirty="0" smtClean="0"/>
+              <a:rPr lang="en-US" sz="1100" dirty="0"/>
               <a:t>-WEIGHT</a:t>
             </a:r>
           </a:p>
           <a:p>
             <a:r>
-              <a:rPr lang="en-US" sz="1100" dirty="0" smtClean="0"/>
+              <a:rPr lang="en-US" sz="1100" dirty="0"/>
               <a:t>-SYSTOLIC BP*</a:t>
             </a:r>
           </a:p>
           <a:p>
             <a:r>
-              <a:rPr lang="en-US" sz="1100" dirty="0" smtClean="0"/>
+              <a:rPr lang="en-US" sz="1100" dirty="0"/>
               <a:t>-DYSOSTOLIC BP*</a:t>
             </a:r>
           </a:p>
           <a:p>
             <a:r>
-              <a:rPr lang="en-US" sz="1100" dirty="0" smtClean="0"/>
+              <a:rPr lang="en-US" sz="1100" dirty="0"/>
               <a:t>-CLINIC*</a:t>
             </a:r>
           </a:p>
           <a:p>
             <a:r>
-              <a:rPr lang="en-US" sz="1100" dirty="0" smtClean="0"/>
+              <a:rPr lang="en-US" sz="1100" dirty="0"/>
               <a:t>-ENCOUNTER</a:t>
             </a:r>
           </a:p>
           <a:p>
             <a:r>
-              <a:rPr lang="en-US" sz="1100" dirty="0" smtClean="0"/>
+              <a:rPr lang="en-US" sz="1100" dirty="0"/>
               <a:t>-BMI*</a:t>
             </a:r>
           </a:p>
           <a:p>
             <a:r>
-              <a:rPr lang="en-US" sz="1100" dirty="0" smtClean="0"/>
+              <a:rPr lang="en-US" sz="1100" dirty="0"/>
               <a:t>-GEST-AGE*</a:t>
             </a:r>
           </a:p>
@@ -3453,37 +3457,37 @@
           <a:lstStyle/>
           <a:p>
             <a:r>
-              <a:rPr lang="en-US" sz="1100" b="1" dirty="0" smtClean="0"/>
+              <a:rPr lang="en-US" sz="1100" b="1" dirty="0"/>
               <a:t>WELLNESS (baby)</a:t>
             </a:r>
           </a:p>
           <a:p>
             <a:r>
-              <a:rPr lang="en-US" sz="1100" dirty="0" smtClean="0"/>
+              <a:rPr lang="en-US" sz="1100" dirty="0"/>
               <a:t>-ID</a:t>
             </a:r>
           </a:p>
           <a:p>
             <a:r>
-              <a:rPr lang="en-US" sz="1100" dirty="0" smtClean="0"/>
+              <a:rPr lang="en-US" sz="1100" dirty="0"/>
               <a:t>-DATE</a:t>
             </a:r>
           </a:p>
           <a:p>
             <a:r>
-              <a:rPr lang="en-US" sz="1100" dirty="0" smtClean="0"/>
+              <a:rPr lang="en-US" sz="1100" dirty="0"/>
               <a:t>-HEIGHT</a:t>
             </a:r>
           </a:p>
           <a:p>
             <a:r>
-              <a:rPr lang="en-US" sz="1100" dirty="0" smtClean="0"/>
+              <a:rPr lang="en-US" sz="1100" dirty="0"/>
               <a:t>-WEIGHT</a:t>
             </a:r>
           </a:p>
           <a:p>
             <a:r>
-              <a:rPr lang="en-US" sz="1100" dirty="0" smtClean="0"/>
+              <a:rPr lang="en-US" sz="1100" dirty="0"/>
               <a:t>-HEAD CIRCUMFERENCE</a:t>
             </a:r>
           </a:p>
@@ -3496,22 +3500,18 @@
           <a:p>
             <a:r>
               <a:rPr lang="en-US" sz="1100" dirty="0"/>
-              <a:t>-DYSOSTOLIC BP</a:t>
-            </a:r>
-            <a:r>
-              <a:rPr lang="en-US" sz="1100" dirty="0" smtClean="0"/>
-              <a:t>*</a:t>
-            </a:r>
-          </a:p>
-          <a:p>
-            <a:r>
-              <a:rPr lang="en-US" sz="1100" dirty="0" smtClean="0"/>
+              <a:t>-DYSOSTOLIC BP*</a:t>
+            </a:r>
+          </a:p>
+          <a:p>
+            <a:r>
+              <a:rPr lang="en-US" sz="1100" dirty="0"/>
               <a:t>-CLINIC*</a:t>
             </a:r>
           </a:p>
           <a:p>
             <a:r>
-              <a:rPr lang="en-US" sz="1100" dirty="0" smtClean="0"/>
+              <a:rPr lang="en-US" sz="1100" dirty="0"/>
               <a:t>-ENCOUNTER</a:t>
             </a:r>
           </a:p>
@@ -3541,7 +3541,7 @@
           <a:p>
             <a:pPr algn="ctr"/>
             <a:r>
-              <a:rPr lang="en-US" sz="2400" dirty="0" smtClean="0"/>
+              <a:rPr lang="en-US" sz="2400" dirty="0"/>
               <a:t>POSTNATAL</a:t>
             </a:r>
             <a:endParaRPr lang="en-US" dirty="0"/>
@@ -3572,7 +3572,7 @@
           <a:p>
             <a:pPr algn="ctr"/>
             <a:r>
-              <a:rPr lang="en-US" sz="2400" dirty="0" smtClean="0"/>
+              <a:rPr lang="en-US" sz="2400" dirty="0"/>
               <a:t>DELIVERY</a:t>
             </a:r>
             <a:endParaRPr lang="en-US" dirty="0"/>
@@ -3603,7 +3603,7 @@
           <a:p>
             <a:pPr algn="ctr"/>
             <a:r>
-              <a:rPr lang="en-US" sz="2400" dirty="0" smtClean="0"/>
+              <a:rPr lang="en-US" sz="2400" dirty="0"/>
               <a:t>PRENATAL</a:t>
             </a:r>
             <a:endParaRPr lang="en-US" dirty="0"/>
@@ -3638,43 +3638,43 @@
           <a:lstStyle/>
           <a:p>
             <a:r>
-              <a:rPr lang="en-US" sz="1100" b="1" dirty="0" smtClean="0"/>
+              <a:rPr lang="en-US" sz="1100" b="1" dirty="0"/>
               <a:t>LABS*</a:t>
             </a:r>
           </a:p>
           <a:p>
             <a:r>
-              <a:rPr lang="en-US" sz="1100" dirty="0" smtClean="0"/>
+              <a:rPr lang="en-US" sz="1100" dirty="0"/>
               <a:t>-ID</a:t>
             </a:r>
           </a:p>
           <a:p>
             <a:r>
-              <a:rPr lang="en-US" sz="1100" dirty="0" smtClean="0"/>
+              <a:rPr lang="en-US" sz="1100" dirty="0"/>
               <a:t>-DATE</a:t>
             </a:r>
           </a:p>
           <a:p>
             <a:r>
-              <a:rPr lang="en-US" sz="1100" dirty="0" smtClean="0"/>
+              <a:rPr lang="en-US" sz="1100" dirty="0"/>
               <a:t>-MEASURE</a:t>
             </a:r>
           </a:p>
           <a:p>
             <a:r>
-              <a:rPr lang="en-US" sz="1100" dirty="0" smtClean="0"/>
+              <a:rPr lang="en-US" sz="1100" dirty="0"/>
               <a:t>-SOURCE</a:t>
             </a:r>
           </a:p>
           <a:p>
             <a:r>
-              <a:rPr lang="en-US" sz="1100" dirty="0" smtClean="0"/>
+              <a:rPr lang="en-US" sz="1100" dirty="0"/>
               <a:t>-CLINIC*</a:t>
             </a:r>
           </a:p>
           <a:p>
             <a:r>
-              <a:rPr lang="en-US" sz="1100" dirty="0" smtClean="0"/>
+              <a:rPr lang="en-US" sz="1100" dirty="0"/>
               <a:t>-ENCOUNTER</a:t>
             </a:r>
           </a:p>
@@ -3708,43 +3708,43 @@
           <a:lstStyle/>
           <a:p>
             <a:r>
-              <a:rPr lang="en-US" sz="1100" b="1" dirty="0" smtClean="0"/>
+              <a:rPr lang="en-US" sz="1100" b="1" dirty="0"/>
               <a:t>LABS*</a:t>
             </a:r>
           </a:p>
           <a:p>
             <a:r>
-              <a:rPr lang="en-US" sz="1100" dirty="0" smtClean="0"/>
+              <a:rPr lang="en-US" sz="1100" dirty="0"/>
               <a:t>-ID</a:t>
             </a:r>
           </a:p>
           <a:p>
             <a:r>
-              <a:rPr lang="en-US" sz="1100" dirty="0" smtClean="0"/>
+              <a:rPr lang="en-US" sz="1100" dirty="0"/>
               <a:t>-DATE</a:t>
             </a:r>
           </a:p>
           <a:p>
             <a:r>
-              <a:rPr lang="en-US" sz="1100" dirty="0" smtClean="0"/>
+              <a:rPr lang="en-US" sz="1100" dirty="0"/>
               <a:t>-MEASURE</a:t>
             </a:r>
           </a:p>
           <a:p>
             <a:r>
-              <a:rPr lang="en-US" sz="1100" dirty="0" smtClean="0"/>
+              <a:rPr lang="en-US" sz="1100" dirty="0"/>
               <a:t>-SOURCE</a:t>
             </a:r>
           </a:p>
           <a:p>
             <a:r>
-              <a:rPr lang="en-US" sz="1100" dirty="0" smtClean="0"/>
+              <a:rPr lang="en-US" sz="1100" dirty="0"/>
               <a:t>-CLINIC*</a:t>
             </a:r>
           </a:p>
           <a:p>
             <a:r>
-              <a:rPr lang="en-US" sz="1100" dirty="0" smtClean="0"/>
+              <a:rPr lang="en-US" sz="1100" dirty="0"/>
               <a:t>-ENCOUNTER</a:t>
             </a:r>
           </a:p>
@@ -3778,43 +3778,43 @@
           <a:lstStyle/>
           <a:p>
             <a:r>
-              <a:rPr lang="en-US" sz="1100" b="1" dirty="0" smtClean="0"/>
+              <a:rPr lang="en-US" sz="1100" b="1" dirty="0"/>
               <a:t>CODES*</a:t>
             </a:r>
           </a:p>
           <a:p>
             <a:r>
-              <a:rPr lang="en-US" sz="1100" dirty="0" smtClean="0"/>
+              <a:rPr lang="en-US" sz="1100" dirty="0"/>
               <a:t>-ID</a:t>
             </a:r>
           </a:p>
           <a:p>
             <a:r>
-              <a:rPr lang="en-US" sz="1100" dirty="0" smtClean="0"/>
+              <a:rPr lang="en-US" sz="1100" dirty="0"/>
               <a:t>-DATE</a:t>
             </a:r>
           </a:p>
           <a:p>
             <a:r>
-              <a:rPr lang="en-US" sz="1100" dirty="0" smtClean="0"/>
+              <a:rPr lang="en-US" sz="1100" dirty="0"/>
               <a:t>-MEASURE</a:t>
             </a:r>
           </a:p>
           <a:p>
             <a:r>
-              <a:rPr lang="en-US" sz="1100" dirty="0" smtClean="0"/>
+              <a:rPr lang="en-US" sz="1100" dirty="0"/>
               <a:t>-SOURCE</a:t>
             </a:r>
           </a:p>
           <a:p>
             <a:r>
-              <a:rPr lang="en-US" sz="1100" dirty="0" smtClean="0"/>
+              <a:rPr lang="en-US" sz="1100" dirty="0"/>
               <a:t>-CLINIC*</a:t>
             </a:r>
           </a:p>
           <a:p>
             <a:r>
-              <a:rPr lang="en-US" sz="1100" dirty="0" smtClean="0"/>
+              <a:rPr lang="en-US" sz="1100" dirty="0"/>
               <a:t>-ENCOUNTER</a:t>
             </a:r>
           </a:p>
@@ -3848,43 +3848,43 @@
           <a:lstStyle/>
           <a:p>
             <a:r>
-              <a:rPr lang="en-US" sz="1100" b="1" dirty="0" smtClean="0"/>
+              <a:rPr lang="en-US" sz="1100" b="1" dirty="0"/>
               <a:t>CODES*</a:t>
             </a:r>
           </a:p>
           <a:p>
             <a:r>
-              <a:rPr lang="en-US" sz="1100" dirty="0" smtClean="0"/>
+              <a:rPr lang="en-US" sz="1100" dirty="0"/>
               <a:t>-ID</a:t>
             </a:r>
           </a:p>
           <a:p>
             <a:r>
-              <a:rPr lang="en-US" sz="1100" dirty="0" smtClean="0"/>
+              <a:rPr lang="en-US" sz="1100" dirty="0"/>
               <a:t>-DATE</a:t>
             </a:r>
           </a:p>
           <a:p>
             <a:r>
-              <a:rPr lang="en-US" sz="1100" dirty="0" smtClean="0"/>
+              <a:rPr lang="en-US" sz="1100" dirty="0"/>
               <a:t>-MEASURE</a:t>
             </a:r>
           </a:p>
           <a:p>
             <a:r>
-              <a:rPr lang="en-US" sz="1100" dirty="0" smtClean="0"/>
+              <a:rPr lang="en-US" sz="1100" dirty="0"/>
               <a:t>-SOURCE</a:t>
             </a:r>
           </a:p>
           <a:p>
             <a:r>
-              <a:rPr lang="en-US" sz="1100" dirty="0" smtClean="0"/>
+              <a:rPr lang="en-US" sz="1100" dirty="0"/>
               <a:t>-CLINIC*</a:t>
             </a:r>
           </a:p>
           <a:p>
             <a:r>
-              <a:rPr lang="en-US" sz="1100" dirty="0" smtClean="0"/>
+              <a:rPr lang="en-US" sz="1100" dirty="0"/>
               <a:t>-ENCOUNTER</a:t>
             </a:r>
           </a:p>
@@ -3918,69 +3918,61 @@
           <a:lstStyle/>
           <a:p>
             <a:r>
-              <a:rPr lang="en-US" sz="1100" b="1" dirty="0" smtClean="0"/>
+              <a:rPr lang="en-US" sz="1100" b="1" dirty="0"/>
               <a:t>ABX-MEDICATION-IP</a:t>
             </a:r>
           </a:p>
           <a:p>
             <a:r>
-              <a:rPr lang="en-US" sz="1100" dirty="0" smtClean="0"/>
+              <a:rPr lang="en-US" sz="1100" dirty="0"/>
               <a:t>-ID</a:t>
             </a:r>
           </a:p>
           <a:p>
             <a:r>
               <a:rPr lang="en-US" sz="1100" dirty="0"/>
-              <a:t>-DATE </a:t>
-            </a:r>
-            <a:r>
-              <a:rPr lang="en-US" sz="1100" dirty="0" smtClean="0"/>
-              <a:t>TAKEN</a:t>
-            </a:r>
-          </a:p>
-          <a:p>
-            <a:r>
-              <a:rPr lang="en-US" sz="1100" dirty="0" smtClean="0"/>
+              <a:t>-DATE TAKEN</a:t>
+            </a:r>
+          </a:p>
+          <a:p>
+            <a:r>
+              <a:rPr lang="en-US" sz="1100" dirty="0"/>
               <a:t>-NDC*</a:t>
             </a:r>
           </a:p>
           <a:p>
             <a:r>
               <a:rPr lang="en-US" sz="1100" dirty="0"/>
-              <a:t>-MAR </a:t>
-            </a:r>
-            <a:r>
-              <a:rPr lang="en-US" sz="1100" dirty="0" smtClean="0"/>
-              <a:t>ACTION</a:t>
-            </a:r>
-          </a:p>
-          <a:p>
-            <a:r>
-              <a:rPr lang="en-US" sz="1100" dirty="0" smtClean="0"/>
+              <a:t>-MAR ACTION</a:t>
+            </a:r>
+          </a:p>
+          <a:p>
+            <a:r>
+              <a:rPr lang="en-US" sz="1100" dirty="0"/>
               <a:t>-DESCRIPTION</a:t>
             </a:r>
           </a:p>
           <a:p>
             <a:r>
-              <a:rPr lang="en-US" sz="1100" dirty="0" smtClean="0"/>
+              <a:rPr lang="en-US" sz="1100" dirty="0"/>
               <a:t>-GENERIC NAME</a:t>
             </a:r>
           </a:p>
           <a:p>
             <a:r>
-              <a:rPr lang="en-US" sz="1100" dirty="0" smtClean="0"/>
+              <a:rPr lang="en-US" sz="1100" dirty="0"/>
               <a:t>-THERAPY CLASS</a:t>
             </a:r>
           </a:p>
           <a:p>
             <a:r>
-              <a:rPr lang="en-US" sz="1100" dirty="0" smtClean="0"/>
+              <a:rPr lang="en-US" sz="1100" dirty="0"/>
               <a:t>-PHARMACY CLASS</a:t>
             </a:r>
           </a:p>
           <a:p>
             <a:r>
-              <a:rPr lang="en-US" sz="1100" dirty="0" smtClean="0"/>
+              <a:rPr lang="en-US" sz="1100" dirty="0"/>
               <a:t>-PHARMACY SUBCLASS</a:t>
             </a:r>
           </a:p>
@@ -4014,59 +4006,55 @@
           <a:lstStyle/>
           <a:p>
             <a:r>
-              <a:rPr lang="en-US" sz="1100" b="1" dirty="0" smtClean="0"/>
+              <a:rPr lang="en-US" sz="1100" b="1" dirty="0"/>
               <a:t>ABX-MEDICATION-OP</a:t>
             </a:r>
           </a:p>
           <a:p>
             <a:r>
-              <a:rPr lang="en-US" sz="1100" dirty="0" smtClean="0"/>
+              <a:rPr lang="en-US" sz="1100" dirty="0"/>
               <a:t>-ID</a:t>
             </a:r>
           </a:p>
           <a:p>
             <a:r>
               <a:rPr lang="en-US" sz="1100" dirty="0"/>
-              <a:t>-DATE </a:t>
-            </a:r>
-            <a:r>
-              <a:rPr lang="en-US" sz="1100" dirty="0" smtClean="0"/>
-              <a:t>ORDER</a:t>
-            </a:r>
-          </a:p>
-          <a:p>
-            <a:r>
-              <a:rPr lang="en-US" sz="1100" dirty="0" smtClean="0"/>
+              <a:t>-DATE ORDER</a:t>
+            </a:r>
+          </a:p>
+          <a:p>
+            <a:r>
+              <a:rPr lang="en-US" sz="1100" dirty="0"/>
               <a:t>-NDC*</a:t>
             </a:r>
           </a:p>
           <a:p>
             <a:r>
-              <a:rPr lang="en-US" sz="1100" dirty="0" smtClean="0"/>
+              <a:rPr lang="en-US" sz="1100" dirty="0"/>
               <a:t>-DESCRIPTION</a:t>
             </a:r>
           </a:p>
           <a:p>
             <a:r>
-              <a:rPr lang="en-US" sz="1100" dirty="0" smtClean="0"/>
+              <a:rPr lang="en-US" sz="1100" dirty="0"/>
               <a:t>-GENERIC NAME</a:t>
             </a:r>
           </a:p>
           <a:p>
             <a:r>
-              <a:rPr lang="en-US" sz="1100" dirty="0" smtClean="0"/>
+              <a:rPr lang="en-US" sz="1100" dirty="0"/>
               <a:t>-THERAPY CLASS</a:t>
             </a:r>
           </a:p>
           <a:p>
             <a:r>
-              <a:rPr lang="en-US" sz="1100" dirty="0" smtClean="0"/>
+              <a:rPr lang="en-US" sz="1100" dirty="0"/>
               <a:t>-PHARMACY CLASS</a:t>
             </a:r>
           </a:p>
           <a:p>
             <a:r>
-              <a:rPr lang="en-US" sz="1100" dirty="0" smtClean="0"/>
+              <a:rPr lang="en-US" sz="1100" dirty="0"/>
               <a:t>-PHARMACY SUBCLASS</a:t>
             </a:r>
           </a:p>
@@ -4100,69 +4088,61 @@
           <a:lstStyle/>
           <a:p>
             <a:r>
-              <a:rPr lang="en-US" sz="1100" b="1" dirty="0" smtClean="0"/>
+              <a:rPr lang="en-US" sz="1100" b="1" dirty="0"/>
               <a:t>MEDICATION-IP</a:t>
             </a:r>
           </a:p>
           <a:p>
             <a:r>
-              <a:rPr lang="en-US" sz="1100" dirty="0" smtClean="0"/>
+              <a:rPr lang="en-US" sz="1100" dirty="0"/>
               <a:t>-ID</a:t>
             </a:r>
           </a:p>
           <a:p>
             <a:r>
               <a:rPr lang="en-US" sz="1100" dirty="0"/>
-              <a:t>-DATE </a:t>
-            </a:r>
-            <a:r>
-              <a:rPr lang="en-US" sz="1100" dirty="0" smtClean="0"/>
-              <a:t>TAKEN</a:t>
-            </a:r>
-          </a:p>
-          <a:p>
-            <a:r>
-              <a:rPr lang="en-US" sz="1100" dirty="0" smtClean="0"/>
+              <a:t>-DATE TAKEN</a:t>
+            </a:r>
+          </a:p>
+          <a:p>
+            <a:r>
+              <a:rPr lang="en-US" sz="1100" dirty="0"/>
               <a:t>-NDC*</a:t>
             </a:r>
           </a:p>
           <a:p>
             <a:r>
               <a:rPr lang="en-US" sz="1100" dirty="0"/>
-              <a:t>-MAR </a:t>
-            </a:r>
-            <a:r>
-              <a:rPr lang="en-US" sz="1100" dirty="0" smtClean="0"/>
-              <a:t>ACTION</a:t>
-            </a:r>
-          </a:p>
-          <a:p>
-            <a:r>
-              <a:rPr lang="en-US" sz="1100" dirty="0" smtClean="0"/>
+              <a:t>-MAR ACTION</a:t>
+            </a:r>
+          </a:p>
+          <a:p>
+            <a:r>
+              <a:rPr lang="en-US" sz="1100" dirty="0"/>
               <a:t>-DESCRIPTION</a:t>
             </a:r>
           </a:p>
           <a:p>
             <a:r>
-              <a:rPr lang="en-US" sz="1100" dirty="0" smtClean="0"/>
+              <a:rPr lang="en-US" sz="1100" dirty="0"/>
               <a:t>-GENERIC NAME</a:t>
             </a:r>
           </a:p>
           <a:p>
             <a:r>
-              <a:rPr lang="en-US" sz="1100" dirty="0" smtClean="0"/>
+              <a:rPr lang="en-US" sz="1100" dirty="0"/>
               <a:t>-THERAPY CLASS</a:t>
             </a:r>
           </a:p>
           <a:p>
             <a:r>
-              <a:rPr lang="en-US" sz="1100" dirty="0" smtClean="0"/>
+              <a:rPr lang="en-US" sz="1100" dirty="0"/>
               <a:t>-PHARMACY CLASS</a:t>
             </a:r>
           </a:p>
           <a:p>
             <a:r>
-              <a:rPr lang="en-US" sz="1100" dirty="0" smtClean="0"/>
+              <a:rPr lang="en-US" sz="1100" dirty="0"/>
               <a:t>-PHARMACY SUBCLASS</a:t>
             </a:r>
           </a:p>
@@ -4196,69 +4176,61 @@
           <a:lstStyle/>
           <a:p>
             <a:r>
-              <a:rPr lang="en-US" sz="1100" b="1" dirty="0" smtClean="0"/>
+              <a:rPr lang="en-US" sz="1100" b="1" dirty="0"/>
               <a:t>MEDICATION-OP</a:t>
             </a:r>
           </a:p>
           <a:p>
             <a:r>
-              <a:rPr lang="en-US" sz="1100" dirty="0" smtClean="0"/>
+              <a:rPr lang="en-US" sz="1100" dirty="0"/>
               <a:t>-ID</a:t>
             </a:r>
           </a:p>
           <a:p>
             <a:r>
               <a:rPr lang="en-US" sz="1100" dirty="0"/>
-              <a:t>-DATE </a:t>
-            </a:r>
-            <a:r>
-              <a:rPr lang="en-US" sz="1100" dirty="0" smtClean="0"/>
-              <a:t>TAKEN</a:t>
-            </a:r>
-          </a:p>
-          <a:p>
-            <a:r>
-              <a:rPr lang="en-US" sz="1100" dirty="0" smtClean="0"/>
+              <a:t>-DATE TAKEN</a:t>
+            </a:r>
+          </a:p>
+          <a:p>
+            <a:r>
+              <a:rPr lang="en-US" sz="1100" dirty="0"/>
               <a:t>-NDC*</a:t>
             </a:r>
           </a:p>
           <a:p>
             <a:r>
               <a:rPr lang="en-US" sz="1100" dirty="0"/>
-              <a:t>-MAR </a:t>
-            </a:r>
-            <a:r>
-              <a:rPr lang="en-US" sz="1100" dirty="0" smtClean="0"/>
-              <a:t>ACTION</a:t>
-            </a:r>
-          </a:p>
-          <a:p>
-            <a:r>
-              <a:rPr lang="en-US" sz="1100" dirty="0" smtClean="0"/>
+              <a:t>-MAR ACTION</a:t>
+            </a:r>
+          </a:p>
+          <a:p>
+            <a:r>
+              <a:rPr lang="en-US" sz="1100" dirty="0"/>
               <a:t>-DESCRIPTION</a:t>
             </a:r>
           </a:p>
           <a:p>
             <a:r>
-              <a:rPr lang="en-US" sz="1100" dirty="0" smtClean="0"/>
+              <a:rPr lang="en-US" sz="1100" dirty="0"/>
               <a:t>-GENERIC NAME</a:t>
             </a:r>
           </a:p>
           <a:p>
             <a:r>
-              <a:rPr lang="en-US" sz="1100" dirty="0" smtClean="0"/>
+              <a:rPr lang="en-US" sz="1100" dirty="0"/>
               <a:t>-THERAPY CLASS</a:t>
             </a:r>
           </a:p>
           <a:p>
             <a:r>
-              <a:rPr lang="en-US" sz="1100" dirty="0" smtClean="0"/>
+              <a:rPr lang="en-US" sz="1100" dirty="0"/>
               <a:t>-PHARMACY CLASS</a:t>
             </a:r>
           </a:p>
           <a:p>
             <a:r>
-              <a:rPr lang="en-US" sz="1100" dirty="0" smtClean="0"/>
+              <a:rPr lang="en-US" sz="1100" dirty="0"/>
               <a:t>-PHARMACY SUBCLASS</a:t>
             </a:r>
           </a:p>
@@ -4292,67 +4264,67 @@
           <a:lstStyle/>
           <a:p>
             <a:r>
-              <a:rPr lang="en-US" sz="1100" b="1" dirty="0" smtClean="0"/>
+              <a:rPr lang="en-US" sz="1100" b="1" dirty="0"/>
               <a:t>WELLNESS (initial)*</a:t>
             </a:r>
           </a:p>
           <a:p>
             <a:r>
-              <a:rPr lang="en-US" sz="1100" dirty="0" smtClean="0"/>
+              <a:rPr lang="en-US" sz="1100" dirty="0"/>
               <a:t>-ID</a:t>
             </a:r>
           </a:p>
           <a:p>
             <a:r>
-              <a:rPr lang="en-US" sz="1100" dirty="0" smtClean="0"/>
+              <a:rPr lang="en-US" sz="1100" dirty="0"/>
               <a:t>-DATE</a:t>
             </a:r>
           </a:p>
           <a:p>
             <a:r>
-              <a:rPr lang="en-US" sz="1100" dirty="0" smtClean="0"/>
+              <a:rPr lang="en-US" sz="1100" dirty="0"/>
               <a:t>-HEIGHT</a:t>
             </a:r>
           </a:p>
           <a:p>
             <a:r>
-              <a:rPr lang="en-US" sz="1100" dirty="0" smtClean="0"/>
+              <a:rPr lang="en-US" sz="1100" dirty="0"/>
               <a:t>-WEIGHT</a:t>
             </a:r>
           </a:p>
           <a:p>
             <a:r>
-              <a:rPr lang="en-US" sz="1100" dirty="0" smtClean="0"/>
+              <a:rPr lang="en-US" sz="1100" dirty="0"/>
               <a:t>-SYSTOLIC BP*</a:t>
             </a:r>
           </a:p>
           <a:p>
             <a:r>
-              <a:rPr lang="en-US" sz="1100" dirty="0" smtClean="0"/>
+              <a:rPr lang="en-US" sz="1100" dirty="0"/>
               <a:t>-DYSOSTOLIC BP*</a:t>
             </a:r>
           </a:p>
           <a:p>
             <a:r>
-              <a:rPr lang="en-US" sz="1100" dirty="0" smtClean="0"/>
+              <a:rPr lang="en-US" sz="1100" dirty="0"/>
               <a:t>-CLINIC*</a:t>
             </a:r>
           </a:p>
           <a:p>
             <a:r>
-              <a:rPr lang="en-US" sz="1100" dirty="0" smtClean="0"/>
+              <a:rPr lang="en-US" sz="1100" dirty="0"/>
               <a:t>-ENCOUNTER</a:t>
             </a:r>
           </a:p>
           <a:p>
             <a:r>
-              <a:rPr lang="en-US" sz="1100" dirty="0" smtClean="0"/>
+              <a:rPr lang="en-US" sz="1100" dirty="0"/>
               <a:t>-PREPREG BMI*</a:t>
             </a:r>
           </a:p>
           <a:p>
             <a:r>
-              <a:rPr lang="en-US" sz="1100" dirty="0" smtClean="0"/>
+              <a:rPr lang="en-US" sz="1100" dirty="0"/>
               <a:t>-GEST-AGE*</a:t>
             </a:r>
           </a:p>
@@ -4386,59 +4358,55 @@
           <a:lstStyle/>
           <a:p>
             <a:r>
-              <a:rPr lang="en-US" sz="1100" b="1" dirty="0" smtClean="0"/>
+              <a:rPr lang="en-US" sz="1100" b="1" dirty="0"/>
               <a:t>ABX-MEDICATION-OP</a:t>
             </a:r>
           </a:p>
           <a:p>
             <a:r>
-              <a:rPr lang="en-US" sz="1100" dirty="0" smtClean="0"/>
+              <a:rPr lang="en-US" sz="1100" dirty="0"/>
               <a:t>-ID</a:t>
             </a:r>
           </a:p>
           <a:p>
             <a:r>
               <a:rPr lang="en-US" sz="1100" dirty="0"/>
-              <a:t>-DATE </a:t>
-            </a:r>
-            <a:r>
-              <a:rPr lang="en-US" sz="1100" dirty="0" smtClean="0"/>
-              <a:t>ORDER</a:t>
-            </a:r>
-          </a:p>
-          <a:p>
-            <a:r>
-              <a:rPr lang="en-US" sz="1100" dirty="0" smtClean="0"/>
+              <a:t>-DATE ORDER</a:t>
+            </a:r>
+          </a:p>
+          <a:p>
+            <a:r>
+              <a:rPr lang="en-US" sz="1100" dirty="0"/>
               <a:t>-NDC*</a:t>
             </a:r>
           </a:p>
           <a:p>
             <a:r>
-              <a:rPr lang="en-US" sz="1100" dirty="0" smtClean="0"/>
+              <a:rPr lang="en-US" sz="1100" dirty="0"/>
               <a:t>-DESCRIPTION</a:t>
             </a:r>
           </a:p>
           <a:p>
             <a:r>
-              <a:rPr lang="en-US" sz="1100" dirty="0" smtClean="0"/>
+              <a:rPr lang="en-US" sz="1100" dirty="0"/>
               <a:t>-GENERIC NAME</a:t>
             </a:r>
           </a:p>
           <a:p>
             <a:r>
-              <a:rPr lang="en-US" sz="1100" dirty="0" smtClean="0"/>
+              <a:rPr lang="en-US" sz="1100" dirty="0"/>
               <a:t>-THERAPY CLASS</a:t>
             </a:r>
           </a:p>
           <a:p>
             <a:r>
-              <a:rPr lang="en-US" sz="1100" dirty="0" smtClean="0"/>
+              <a:rPr lang="en-US" sz="1100" dirty="0"/>
               <a:t>-PHARMACY CLASS</a:t>
             </a:r>
           </a:p>
           <a:p>
             <a:r>
-              <a:rPr lang="en-US" sz="1100" dirty="0" smtClean="0"/>
+              <a:rPr lang="en-US" sz="1100" dirty="0"/>
               <a:t>-PHARMACY SUBCLASS</a:t>
             </a:r>
           </a:p>
@@ -4472,69 +4440,61 @@
           <a:lstStyle/>
           <a:p>
             <a:r>
-              <a:rPr lang="en-US" sz="1100" b="1" dirty="0" smtClean="0"/>
+              <a:rPr lang="en-US" sz="1100" b="1" dirty="0"/>
               <a:t>MEDICATION-OP</a:t>
             </a:r>
           </a:p>
           <a:p>
             <a:r>
-              <a:rPr lang="en-US" sz="1100" dirty="0" smtClean="0"/>
+              <a:rPr lang="en-US" sz="1100" dirty="0"/>
               <a:t>-ID</a:t>
             </a:r>
           </a:p>
           <a:p>
             <a:r>
               <a:rPr lang="en-US" sz="1100" dirty="0"/>
-              <a:t>-DATE </a:t>
-            </a:r>
-            <a:r>
-              <a:rPr lang="en-US" sz="1100" dirty="0" smtClean="0"/>
-              <a:t>TAKEN</a:t>
-            </a:r>
-          </a:p>
-          <a:p>
-            <a:r>
-              <a:rPr lang="en-US" sz="1100" dirty="0" smtClean="0"/>
+              <a:t>-DATE TAKEN</a:t>
+            </a:r>
+          </a:p>
+          <a:p>
+            <a:r>
+              <a:rPr lang="en-US" sz="1100" dirty="0"/>
               <a:t>-NDC*</a:t>
             </a:r>
           </a:p>
           <a:p>
             <a:r>
               <a:rPr lang="en-US" sz="1100" dirty="0"/>
-              <a:t>-MAR </a:t>
-            </a:r>
-            <a:r>
-              <a:rPr lang="en-US" sz="1100" dirty="0" smtClean="0"/>
-              <a:t>ACTION</a:t>
-            </a:r>
-          </a:p>
-          <a:p>
-            <a:r>
-              <a:rPr lang="en-US" sz="1100" dirty="0" smtClean="0"/>
+              <a:t>-MAR ACTION</a:t>
+            </a:r>
+          </a:p>
+          <a:p>
+            <a:r>
+              <a:rPr lang="en-US" sz="1100" dirty="0"/>
               <a:t>-DESCRIPTION</a:t>
             </a:r>
           </a:p>
           <a:p>
             <a:r>
-              <a:rPr lang="en-US" sz="1100" dirty="0" smtClean="0"/>
+              <a:rPr lang="en-US" sz="1100" dirty="0"/>
               <a:t>-GENERIC NAME</a:t>
             </a:r>
           </a:p>
           <a:p>
             <a:r>
-              <a:rPr lang="en-US" sz="1100" dirty="0" smtClean="0"/>
+              <a:rPr lang="en-US" sz="1100" dirty="0"/>
               <a:t>-THERAPY CLASS</a:t>
             </a:r>
           </a:p>
           <a:p>
             <a:r>
-              <a:rPr lang="en-US" sz="1100" dirty="0" smtClean="0"/>
+              <a:rPr lang="en-US" sz="1100" dirty="0"/>
               <a:t>-PHARMACY CLASS</a:t>
             </a:r>
           </a:p>
           <a:p>
             <a:r>
-              <a:rPr lang="en-US" sz="1100" dirty="0" smtClean="0"/>
+              <a:rPr lang="en-US" sz="1100" dirty="0"/>
               <a:t>-PHARMACY SUBCLASS</a:t>
             </a:r>
           </a:p>
@@ -4568,37 +4528,37 @@
           <a:lstStyle/>
           <a:p>
             <a:r>
-              <a:rPr lang="en-US" sz="1100" b="1" dirty="0" smtClean="0"/>
+              <a:rPr lang="en-US" sz="1100" b="1" dirty="0"/>
               <a:t>WELLNESS (mom)</a:t>
             </a:r>
           </a:p>
           <a:p>
             <a:r>
-              <a:rPr lang="en-US" sz="1100" dirty="0" smtClean="0"/>
+              <a:rPr lang="en-US" sz="1100" dirty="0"/>
               <a:t>-ID</a:t>
             </a:r>
           </a:p>
           <a:p>
             <a:r>
-              <a:rPr lang="en-US" sz="1100" dirty="0" smtClean="0"/>
+              <a:rPr lang="en-US" sz="1100" dirty="0"/>
               <a:t>-DATE</a:t>
             </a:r>
           </a:p>
           <a:p>
             <a:r>
-              <a:rPr lang="en-US" sz="1100" dirty="0" smtClean="0"/>
+              <a:rPr lang="en-US" sz="1100" dirty="0"/>
               <a:t>-HEIGHT</a:t>
             </a:r>
           </a:p>
           <a:p>
             <a:r>
-              <a:rPr lang="en-US" sz="1100" dirty="0" smtClean="0"/>
+              <a:rPr lang="en-US" sz="1100" dirty="0"/>
               <a:t>-WEIGHT</a:t>
             </a:r>
           </a:p>
           <a:p>
             <a:r>
-              <a:rPr lang="en-US" sz="1100" dirty="0" smtClean="0"/>
+              <a:rPr lang="en-US" sz="1100" dirty="0"/>
               <a:t>-HEAD CIRCUMFERENCE</a:t>
             </a:r>
           </a:p>
@@ -4611,22 +4571,18 @@
           <a:p>
             <a:r>
               <a:rPr lang="en-US" sz="1100" dirty="0"/>
-              <a:t>-DYSOSTOLIC BP</a:t>
-            </a:r>
-            <a:r>
-              <a:rPr lang="en-US" sz="1100" dirty="0" smtClean="0"/>
-              <a:t>*</a:t>
-            </a:r>
-          </a:p>
-          <a:p>
-            <a:r>
-              <a:rPr lang="en-US" sz="1100" dirty="0" smtClean="0"/>
+              <a:t>-DYSOSTOLIC BP*</a:t>
+            </a:r>
+          </a:p>
+          <a:p>
+            <a:r>
+              <a:rPr lang="en-US" sz="1100" dirty="0"/>
               <a:t>-CLINIC*</a:t>
             </a:r>
           </a:p>
           <a:p>
             <a:r>
-              <a:rPr lang="en-US" sz="1100" dirty="0" smtClean="0"/>
+              <a:rPr lang="en-US" sz="1100" dirty="0"/>
               <a:t>-ENCOUNTER</a:t>
             </a:r>
           </a:p>
@@ -4747,10 +4703,9 @@
           <a:lstStyle/>
           <a:p>
             <a:r>
-              <a:rPr lang="en-US" dirty="0" smtClean="0"/>
+              <a:rPr lang="en-US" dirty="0"/>
               <a:t>Maternal Codes</a:t>
             </a:r>
-            <a:endParaRPr lang="en-US" dirty="0"/>
           </a:p>
         </p:txBody>
       </p:sp>
@@ -4775,83 +4730,66 @@
           <a:lstStyle/>
           <a:p>
             <a:r>
-              <a:rPr lang="en-US" dirty="0" smtClean="0"/>
+              <a:rPr lang="en-US" dirty="0"/>
               <a:t>Maternal Mortality</a:t>
             </a:r>
           </a:p>
           <a:p>
             <a:pPr lvl="1"/>
             <a:r>
-              <a:rPr lang="en-US" dirty="0" smtClean="0"/>
+              <a:rPr lang="en-US" dirty="0"/>
               <a:t>Pregnancy with abortive outcomes (O00-O08)</a:t>
             </a:r>
           </a:p>
           <a:p>
             <a:pPr lvl="1"/>
             <a:r>
-              <a:rPr lang="en-US" dirty="0" smtClean="0"/>
+              <a:rPr lang="en-US" dirty="0"/>
               <a:t>Edema, proteinuria and hypertensive disorders (O10-O16)</a:t>
             </a:r>
           </a:p>
           <a:p>
             <a:pPr lvl="1"/>
             <a:r>
-              <a:rPr lang="en-US" dirty="0" smtClean="0"/>
+              <a:rPr lang="en-US" dirty="0"/>
               <a:t>Other maternal disorders (O20-O29)</a:t>
             </a:r>
           </a:p>
           <a:p>
             <a:pPr lvl="1"/>
             <a:r>
-              <a:rPr lang="en-US" dirty="0" smtClean="0"/>
+              <a:rPr lang="en-US" dirty="0"/>
               <a:t>Fetus, Amniotic cavity and possible delivery problems (O30-O48)</a:t>
             </a:r>
           </a:p>
           <a:p>
             <a:pPr lvl="1"/>
             <a:r>
-              <a:rPr lang="en-US" dirty="0" smtClean="0"/>
+              <a:rPr lang="en-US" dirty="0"/>
               <a:t>Complications of L&amp;D (O60-O75)</a:t>
             </a:r>
           </a:p>
           <a:p>
             <a:pPr lvl="1"/>
             <a:r>
-              <a:rPr lang="en-US" dirty="0" smtClean="0"/>
+              <a:rPr lang="en-US" dirty="0"/>
               <a:t>Complications related to puerperium (O85-O92)</a:t>
             </a:r>
           </a:p>
           <a:p>
             <a:pPr lvl="1"/>
             <a:r>
-              <a:rPr lang="en-US" dirty="0" smtClean="0"/>
+              <a:rPr lang="en-US" dirty="0"/>
               <a:t>Other obstetric complications (O95-O99)</a:t>
             </a:r>
           </a:p>
           <a:p>
-            <a:r>
-              <a:rPr lang="en-US" dirty="0" smtClean="0"/>
-              <a:t>Reproductive </a:t>
-            </a:r>
-            <a:r>
-              <a:rPr lang="en-US" dirty="0" smtClean="0"/>
-              <a:t>Cancer</a:t>
-            </a:r>
-          </a:p>
-          <a:p>
             <a:pPr lvl="1"/>
-            <a:r>
-              <a:rPr lang="en-US" dirty="0" smtClean="0"/>
-              <a:t>Breast (codes)</a:t>
-            </a:r>
+            <a:endParaRPr lang="en-US" dirty="0"/>
           </a:p>
           <a:p>
             <a:pPr lvl="1"/>
-            <a:endParaRPr lang="en-US" dirty="0" smtClean="0"/>
-          </a:p>
-          <a:p>
-            <a:pPr lvl="1"/>
-            <a:endParaRPr lang="en-US" dirty="0" smtClean="0"/>
+            <a:endParaRPr lang="en-US" dirty="0"/>
           </a:p>
         </p:txBody>
       </p:sp>
@@ -4932,10 +4870,9 @@
           <a:lstStyle/>
           <a:p>
             <a:r>
-              <a:rPr lang="en-US" dirty="0" smtClean="0"/>
+              <a:rPr lang="en-US" dirty="0"/>
               <a:t>Pediatric Codes</a:t>
             </a:r>
-            <a:endParaRPr lang="en-US" dirty="0"/>
           </a:p>
         </p:txBody>
       </p:sp>
